--- a/docs/Android Permission Model.pptx
+++ b/docs/Android Permission Model.pptx
@@ -7339,7 +7339,11 @@
             </a:r>
           </a:p>
           <a:p>
-            <a:endParaRPr lang="zh-CN" altLang="en-US" dirty="0"/>
+            <a:r>
+              <a:rPr lang="en-US" altLang="zh-CN" sz="1200" dirty="0"/>
+              <a:t>FLAG_PERMISSION_REVOKE_ON_UPGRADE = 1 &lt;&lt; 3</a:t>
+            </a:r>
+            <a:endParaRPr lang="zh-CN" altLang="en-US" sz="1200" dirty="0"/>
           </a:p>
         </p:txBody>
       </p:sp>
@@ -7363,7 +7367,7 @@
         </p:blipFill>
         <p:spPr>
           <a:xfrm>
-            <a:off x="837565" y="1893964"/>
+            <a:off x="837565" y="2360756"/>
             <a:ext cx="5274310" cy="1607820"/>
           </a:xfrm>
           <a:prstGeom prst="rect">
